--- a/slides/pptx/week11.pptx
+++ b/slides/pptx/week11.pptx
@@ -3940,36 +3940,6 @@
           <a:chExt cx="0" cy="0"/>
         </a:xfrm>
       </p:grpSpPr>
-      <p:sp>
-        <p:nvSpPr>
-          <p:cNvPr id="2" name="Title 1">
-            <a:extLst>
-              <a:ext uri="{FF2B5EF4-FFF2-40B4-BE49-F238E27FC236}">
-                <a16:creationId xmlns:a16="http://schemas.microsoft.com/office/drawing/2014/main" id="{B9171DC7-83DC-4812-B6D6-720FD0903317}"/>
-              </a:ext>
-            </a:extLst>
-          </p:cNvPr>
-          <p:cNvSpPr>
-            <a:spLocks noGrp="1"/>
-          </p:cNvSpPr>
-          <p:nvPr>
-            <p:ph type="title"/>
-          </p:nvPr>
-        </p:nvSpPr>
-        <p:spPr/>
-        <p:txBody>
-          <a:bodyPr/>
-          <a:lstStyle/>
-          <a:p>
-            <a:pPr marL="0" lvl="0" indent="0">
-              <a:buNone/>
-            </a:pPr>
-            <a:r>
-              <a:t>Reyes Flowchart</a:t>
-            </a:r>
-          </a:p>
-        </p:txBody>
-      </p:sp>
       <p:pic>
         <p:nvPicPr>
           <p:cNvPr id="3" name="Picture 1" descr="images/reyes-flowchart.png"/>
@@ -3986,8 +3956,8 @@
         </p:blipFill>
         <p:spPr bwMode="auto">
           <a:xfrm>
-            <a:off x="4851400" y="1816100"/>
-            <a:ext cx="2501900" cy="3835400"/>
+            <a:off x="-166313" y="831539"/>
+            <a:ext cx="4549919" cy="6975003"/>
           </a:xfrm>
           <a:prstGeom prst="rect">
             <a:avLst/>
@@ -4000,6 +3970,36 @@
           </a:ln>
         </p:spPr>
       </p:pic>
+      <p:sp>
+        <p:nvSpPr>
+          <p:cNvPr id="2" name="Title 1">
+            <a:extLst>
+              <a:ext uri="{FF2B5EF4-FFF2-40B4-BE49-F238E27FC236}">
+                <a16:creationId xmlns:a16="http://schemas.microsoft.com/office/drawing/2014/main" id="{B9171DC7-83DC-4812-B6D6-720FD0903317}"/>
+              </a:ext>
+            </a:extLst>
+          </p:cNvPr>
+          <p:cNvSpPr>
+            <a:spLocks noGrp="1"/>
+          </p:cNvSpPr>
+          <p:nvPr>
+            <p:ph type="title"/>
+          </p:nvPr>
+        </p:nvSpPr>
+        <p:spPr/>
+        <p:txBody>
+          <a:bodyPr/>
+          <a:lstStyle/>
+          <a:p>
+            <a:pPr marL="0" lvl="0" indent="0">
+              <a:buNone/>
+            </a:pPr>
+            <a:r>
+              <a:t>Reyes Flowchart</a:t>
+            </a:r>
+          </a:p>
+        </p:txBody>
+      </p:sp>
       <p:sp>
         <p:nvSpPr>
           <p:cNvPr id="4" name="TextBox 3"/>
@@ -4238,7 +4238,7 @@
         </p:blipFill>
         <p:spPr bwMode="auto">
           <a:xfrm>
-            <a:off x="3568700" y="1816100"/>
+            <a:off x="3421976" y="492971"/>
             <a:ext cx="5041900" cy="3835400"/>
           </a:xfrm>
           <a:prstGeom prst="rect">
@@ -4405,7 +4405,7 @@
         </p:blipFill>
         <p:spPr bwMode="auto">
           <a:xfrm>
-            <a:off x="-1" y="-2536"/>
+            <a:off x="602778" y="-2712052"/>
             <a:ext cx="5202195" cy="6860536"/>
           </a:xfrm>
           <a:prstGeom prst="rect">
